--- a/Ppt/Стенд измерения остаточного момента1.pptx
+++ b/Ppt/Стенд измерения остаточного момента1.pptx
@@ -124,7 +124,7 @@
 <file path=ppt/charts/chart1.xml><?xml version="1.0" encoding="utf-8"?>
 <c:chartSpace xmlns:c="http://schemas.openxmlformats.org/drawingml/2006/chart" xmlns:a="http://schemas.openxmlformats.org/drawingml/2006/main" xmlns:r="http://schemas.openxmlformats.org/officeDocument/2006/relationships" xmlns:c16r2="http://schemas.microsoft.com/office/drawing/2015/06/chart">
   <c:date1904 val="0"/>
-  <c:lang val="ru-RU"/>
+  <c:lang val="en-US"/>
   <c:roundedCorners val="0"/>
   <mc:AlternateContent xmlns:mc="http://schemas.openxmlformats.org/markup-compatibility/2006">
     <mc:Choice xmlns:c14="http://schemas.microsoft.com/office/drawing/2007/8/2/chart" Requires="c14">
@@ -949,7 +949,7 @@
           <a:p>
             <a:fld id="{26816495-9AA8-4920-A4E3-50BBC0216EB0}" type="datetimeFigureOut">
               <a:rPr lang="en-US" smtClean="0"/>
-              <a:t>12/13/2022</a:t>
+              <a:t>6/29/2025</a:t>
             </a:fld>
             <a:endParaRPr lang="en-US"/>
           </a:p>
@@ -1363,7 +1363,7 @@
           <a:p>
             <a:fld id="{B0943E97-294B-45E9-899C-136CC89940D3}" type="datetime1">
               <a:rPr lang="en-US" smtClean="0"/>
-              <a:t>12/13/2022</a:t>
+              <a:t>6/29/2025</a:t>
             </a:fld>
             <a:endParaRPr lang="en-US"/>
           </a:p>
@@ -1561,7 +1561,7 @@
           <a:p>
             <a:fld id="{0F642BBF-B613-4ABF-8097-BCD36A2F9935}" type="datetime1">
               <a:rPr lang="en-US" smtClean="0"/>
-              <a:t>12/13/2022</a:t>
+              <a:t>6/29/2025</a:t>
             </a:fld>
             <a:endParaRPr lang="en-US"/>
           </a:p>
@@ -1769,7 +1769,7 @@
           <a:p>
             <a:fld id="{CA6AF254-F82C-4AB7-B0BE-ED6A450CD5BD}" type="datetime1">
               <a:rPr lang="en-US" smtClean="0"/>
-              <a:t>12/13/2022</a:t>
+              <a:t>6/29/2025</a:t>
             </a:fld>
             <a:endParaRPr lang="en-US"/>
           </a:p>
@@ -1967,7 +1967,7 @@
           <a:p>
             <a:fld id="{42790A59-F08E-4342-8C8B-7104600D68A6}" type="datetime1">
               <a:rPr lang="en-US" smtClean="0"/>
-              <a:t>12/13/2022</a:t>
+              <a:t>6/29/2025</a:t>
             </a:fld>
             <a:endParaRPr lang="en-US"/>
           </a:p>
@@ -2242,7 +2242,7 @@
           <a:p>
             <a:fld id="{33D8E024-D1DD-4434-8C82-FC7A0679AAF2}" type="datetime1">
               <a:rPr lang="en-US" smtClean="0"/>
-              <a:t>12/13/2022</a:t>
+              <a:t>6/29/2025</a:t>
             </a:fld>
             <a:endParaRPr lang="en-US"/>
           </a:p>
@@ -2507,7 +2507,7 @@
           <a:p>
             <a:fld id="{0FE08A43-03AE-4DD7-8FCA-7D14110C83DA}" type="datetime1">
               <a:rPr lang="en-US" smtClean="0"/>
-              <a:t>12/13/2022</a:t>
+              <a:t>6/29/2025</a:t>
             </a:fld>
             <a:endParaRPr lang="en-US"/>
           </a:p>
@@ -2919,7 +2919,7 @@
           <a:p>
             <a:fld id="{DC8CC3CC-900B-4C7A-AB2C-CE5D2E38FDED}" type="datetime1">
               <a:rPr lang="en-US" smtClean="0"/>
-              <a:t>12/13/2022</a:t>
+              <a:t>6/29/2025</a:t>
             </a:fld>
             <a:endParaRPr lang="en-US"/>
           </a:p>
@@ -3060,7 +3060,7 @@
           <a:p>
             <a:fld id="{87C3D0F9-ED76-44F2-8EF6-6648E44E39FD}" type="datetime1">
               <a:rPr lang="en-US" smtClean="0"/>
-              <a:t>12/13/2022</a:t>
+              <a:t>6/29/2025</a:t>
             </a:fld>
             <a:endParaRPr lang="en-US"/>
           </a:p>
@@ -3173,7 +3173,7 @@
           <a:p>
             <a:fld id="{2658607D-C406-4FB4-805C-5E07B4201D6D}" type="datetime1">
               <a:rPr lang="en-US" smtClean="0"/>
-              <a:t>12/13/2022</a:t>
+              <a:t>6/29/2025</a:t>
             </a:fld>
             <a:endParaRPr lang="en-US"/>
           </a:p>
@@ -3484,7 +3484,7 @@
           <a:p>
             <a:fld id="{BB5DB84C-98D2-480C-8EBB-99BD433F18D1}" type="datetime1">
               <a:rPr lang="en-US" smtClean="0"/>
-              <a:t>12/13/2022</a:t>
+              <a:t>6/29/2025</a:t>
             </a:fld>
             <a:endParaRPr lang="en-US"/>
           </a:p>
@@ -3772,7 +3772,7 @@
           <a:p>
             <a:fld id="{2DE09F59-93C7-4A82-BB08-710DF6652C16}" type="datetime1">
               <a:rPr lang="en-US" smtClean="0"/>
-              <a:t>12/13/2022</a:t>
+              <a:t>6/29/2025</a:t>
             </a:fld>
             <a:endParaRPr lang="en-US"/>
           </a:p>
@@ -4013,7 +4013,7 @@
           <a:p>
             <a:fld id="{12A4CB97-BF3E-4765-A4AA-0F70F4B845F2}" type="datetime1">
               <a:rPr lang="en-US" smtClean="0"/>
-              <a:t>12/13/2022</a:t>
+              <a:t>6/29/2025</a:t>
             </a:fld>
             <a:endParaRPr lang="en-US"/>
           </a:p>
@@ -4929,34 +4929,7 @@
                 <a:ea typeface="Calibri" panose="020F0502020204030204" pitchFamily="34" charset="0"/>
                 <a:cs typeface="Times New Roman" panose="02020603050405020304" pitchFamily="18" charset="0"/>
               </a:rPr>
-              <a:t>Космические тела находятся в невесомости, не имея точек опоры. Следовательно, любой двигатель, оказывающий момент на подвижную часть спутника, прикладывает равный по значению и противоположный по знаку момент к основанию космического аппарата (КА), который приведет к развороту КА вокруг его центра тяжести в направлении противоположном направлению перемещения подвижной массы. Таким образом в результате взаимного перемещения оптической системы на некоторый заданный угол и перемещения самого КА в пространстве - ось </a:t>
-            </a:r>
-            <a:r>
-              <a:rPr lang="ru-RU" sz="1800" dirty="0" smtClean="0">
-                <a:effectLst/>
-                <a:latin typeface="+mj-lt"/>
-                <a:ea typeface="Calibri" panose="020F0502020204030204" pitchFamily="34" charset="0"/>
-                <a:cs typeface="Times New Roman" panose="02020603050405020304" pitchFamily="18" charset="0"/>
-              </a:rPr>
-              <a:t>визирования оптической </a:t>
-            </a:r>
-            <a:r>
-              <a:rPr lang="ru-RU" sz="1800" dirty="0">
-                <a:effectLst/>
-                <a:latin typeface="+mj-lt"/>
-                <a:ea typeface="Calibri" panose="020F0502020204030204" pitchFamily="34" charset="0"/>
-                <a:cs typeface="Times New Roman" panose="02020603050405020304" pitchFamily="18" charset="0"/>
-              </a:rPr>
-              <a:t>системы займет в пространстве некоторое положение, не совпадающее с заданными углами на перенацеливание. Особенно сильно влияние реактивных моментов и сил в случае инфракрасных оптических систем космического назначения имеющими значительный вес и габариты</a:t>
-            </a:r>
-            <a:r>
-              <a:rPr lang="ru-RU" sz="1800" dirty="0" smtClean="0">
-                <a:effectLst/>
-                <a:latin typeface="+mj-lt"/>
-                <a:ea typeface="Calibri" panose="020F0502020204030204" pitchFamily="34" charset="0"/>
-                <a:cs typeface="Times New Roman" panose="02020603050405020304" pitchFamily="18" charset="0"/>
-              </a:rPr>
-              <a:t>.</a:t>
+              <a:t>Космические тела находятся в невесомости, не имея точек опоры. Следовательно, любой двигатель, оказывающий момент на подвижную часть спутника, прикладывает равный по значению и противоположный по знаку момент к основанию космического аппарата (КА), который приведет к развороту КА вокруг его центра тяжести в направлении противоположном направлению перемещения подвижной массы. Таким образом в результате взаимного перемещения оптической системы на некоторый заданный угол и перемещения самого КА в пространстве - ось визирования оптической системы займет в пространстве некоторое положение, не совпадающее с заданными углами на перенацеливание. Особенно сильно влияние реактивных моментов и сил в случае инфракрасных оптических систем космического назначения имеющими значительный вес и габариты.</a:t>
             </a:r>
             <a:endParaRPr lang="en-US" sz="1800" dirty="0">
               <a:effectLst/>
@@ -5179,782 +5152,80 @@
           </a:ln>
         </p:spPr>
       </p:pic>
-      <mc:AlternateContent xmlns:mc="http://schemas.openxmlformats.org/markup-compatibility/2006" xmlns:a14="http://schemas.microsoft.com/office/drawing/2010/main">
-        <mc:Choice Requires="a14">
-          <p:sp>
-            <p:nvSpPr>
-              <p:cNvPr id="7" name="Rectangle 6">
-                <a:extLst>
-                  <a:ext uri="{FF2B5EF4-FFF2-40B4-BE49-F238E27FC236}">
-                    <a16:creationId xmlns:a16="http://schemas.microsoft.com/office/drawing/2014/main" id="{9A166B48-4AC5-4D31-8A3E-98F15488CE56}"/>
-                  </a:ext>
-                </a:extLst>
-              </p:cNvPr>
-              <p:cNvSpPr/>
-              <p:nvPr/>
-            </p:nvSpPr>
-            <p:spPr>
-              <a:xfrm>
-                <a:off x="4785124" y="1150719"/>
-                <a:ext cx="7485776" cy="5570756"/>
-              </a:xfrm>
-              <a:prstGeom prst="rect">
-                <a:avLst/>
-              </a:prstGeom>
-            </p:spPr>
-            <p:txBody>
-              <a:bodyPr wrap="square">
-                <a:spAutoFit/>
-              </a:bodyPr>
-              <a:lstStyle/>
-              <a:p>
-                <a:r>
-                  <a:rPr lang="en-US" sz="2000" i="1" dirty="0">
-                    <a:latin typeface="+mj-lt"/>
-                  </a:rPr>
-                  <a:t>O</a:t>
-                </a:r>
-                <a:r>
-                  <a:rPr lang="en-US" sz="1200" i="1" dirty="0">
-                    <a:latin typeface="+mj-lt"/>
-                  </a:rPr>
-                  <a:t>0</a:t>
-                </a:r>
-                <a:r>
-                  <a:rPr lang="en-US" sz="2000" i="1" dirty="0">
-                    <a:latin typeface="+mj-lt"/>
-                  </a:rPr>
-                  <a:t>X</a:t>
-                </a:r>
-                <a:r>
-                  <a:rPr lang="en-US" sz="1200" i="1" dirty="0">
-                    <a:latin typeface="+mj-lt"/>
-                  </a:rPr>
-                  <a:t>0</a:t>
-                </a:r>
-                <a:r>
-                  <a:rPr lang="en-US" sz="2000" i="1" dirty="0">
-                    <a:latin typeface="+mj-lt"/>
-                  </a:rPr>
-                  <a:t>Y</a:t>
-                </a:r>
-                <a:r>
-                  <a:rPr lang="en-US" sz="1200" i="1" dirty="0">
-                    <a:latin typeface="+mj-lt"/>
-                  </a:rPr>
-                  <a:t>0</a:t>
-                </a:r>
-                <a:r>
-                  <a:rPr lang="en-US" sz="2000" i="1" dirty="0">
-                    <a:latin typeface="+mj-lt"/>
-                  </a:rPr>
-                  <a:t>Z</a:t>
-                </a:r>
-                <a:r>
-                  <a:rPr lang="en-US" sz="1200" i="1" dirty="0">
-                    <a:latin typeface="+mj-lt"/>
-                  </a:rPr>
-                  <a:t>0</a:t>
-                </a:r>
-                <a:r>
-                  <a:rPr lang="ru-RU" sz="1200" i="1" dirty="0">
-                    <a:latin typeface="+mj-lt"/>
-                  </a:rPr>
-                  <a:t> </a:t>
-                </a:r>
-                <a:r>
-                  <a:rPr lang="en-US" sz="1200" i="1" dirty="0">
-                    <a:latin typeface="+mj-lt"/>
-                  </a:rPr>
-                  <a:t> </a:t>
-                </a:r>
-                <a:r>
-                  <a:rPr lang="ru-RU" sz="2000" dirty="0">
-                    <a:latin typeface="+mj-lt"/>
-                  </a:rPr>
-                  <a:t>- Система координат связанная с центром тяжести КА</a:t>
-                </a:r>
-              </a:p>
-              <a:p>
-                <a:r>
-                  <a:rPr lang="en-US" sz="2000" i="1" dirty="0">
-                    <a:latin typeface="+mj-lt"/>
-                  </a:rPr>
-                  <a:t>OXYZ</a:t>
-                </a:r>
-                <a:r>
-                  <a:rPr lang="ru-RU" sz="2000" i="1" dirty="0">
-                    <a:latin typeface="+mj-lt"/>
-                  </a:rPr>
-                  <a:t> – </a:t>
-                </a:r>
-                <a:r>
-                  <a:rPr lang="ru-RU" sz="2000" dirty="0">
-                    <a:latin typeface="+mj-lt"/>
-                  </a:rPr>
-                  <a:t>Система координат связанная с центром кардана</a:t>
-                </a:r>
-                <a:endParaRPr lang="en-US" sz="2000" i="1" dirty="0">
-                  <a:latin typeface="+mj-lt"/>
-                </a:endParaRPr>
-              </a:p>
-              <a:p>
-                <a:r>
-                  <a:rPr lang="ru-RU" sz="2000" dirty="0">
-                    <a:latin typeface="+mj-lt"/>
-                  </a:rPr>
-                  <a:t>Центр тяжести блока зеркал </a:t>
-                </a:r>
-                <a:r>
-                  <a:rPr lang="en-US" sz="2000" i="1" dirty="0">
-                    <a:latin typeface="+mj-lt"/>
-                  </a:rPr>
-                  <a:t>O</a:t>
-                </a:r>
-                <a:r>
-                  <a:rPr lang="en-US" sz="1200" dirty="0">
-                    <a:latin typeface="+mj-lt"/>
-                  </a:rPr>
-                  <a:t> </a:t>
-                </a:r>
-                <a:r>
-                  <a:rPr lang="ru-RU" sz="2000" dirty="0">
-                    <a:latin typeface="+mj-lt"/>
-                  </a:rPr>
-                  <a:t>смещён с центра кардана на расстояние</a:t>
-                </a:r>
-                <a:r>
-                  <a:rPr lang="en-US" sz="2000" dirty="0">
-                    <a:latin typeface="+mj-lt"/>
-                  </a:rPr>
-                  <a:t> r</a:t>
-                </a:r>
-              </a:p>
-              <a:p>
-                <a:r>
-                  <a:rPr lang="ru-RU" sz="2000" dirty="0">
-                    <a:latin typeface="+mj-lt"/>
-                  </a:rPr>
-                  <a:t>Для разворота на углы </a:t>
-                </a:r>
-                <a:r>
-                  <a:rPr lang="ru-RU" sz="2000" i="1" dirty="0">
-                    <a:latin typeface="+mj-lt"/>
-                  </a:rPr>
-                  <a:t>А</a:t>
-                </a:r>
-                <a:r>
-                  <a:rPr lang="ru-RU" sz="2000" dirty="0">
-                    <a:latin typeface="+mj-lt"/>
-                  </a:rPr>
-                  <a:t> и </a:t>
-                </a:r>
-                <a:r>
-                  <a:rPr lang="en-US" sz="2000" i="1" dirty="0">
-                    <a:latin typeface="+mj-lt"/>
-                  </a:rPr>
-                  <a:t>B</a:t>
-                </a:r>
-                <a:r>
-                  <a:rPr lang="en-US" sz="2000" dirty="0">
-                    <a:latin typeface="+mj-lt"/>
-                  </a:rPr>
-                  <a:t> </a:t>
-                </a:r>
-                <a:r>
-                  <a:rPr lang="ru-RU" sz="2000" dirty="0">
-                    <a:latin typeface="+mj-lt"/>
-                  </a:rPr>
-                  <a:t>приводы</a:t>
-                </a:r>
-                <a:r>
-                  <a:rPr lang="en-US" sz="2000" dirty="0">
-                    <a:latin typeface="+mj-lt"/>
-                  </a:rPr>
-                  <a:t> x</a:t>
-                </a:r>
-                <a:r>
-                  <a:rPr lang="ru-RU" sz="2000" dirty="0">
-                    <a:latin typeface="+mj-lt"/>
-                  </a:rPr>
-                  <a:t> по соответствующим осям прикладывают моменты </a:t>
-                </a:r>
-                <a:r>
-                  <a:rPr lang="en-US" sz="2000" dirty="0" err="1">
-                    <a:latin typeface="+mj-lt"/>
-                  </a:rPr>
-                  <a:t>Mda</a:t>
-                </a:r>
-                <a:r>
-                  <a:rPr lang="en-US" sz="2000" dirty="0">
-                    <a:latin typeface="+mj-lt"/>
-                  </a:rPr>
-                  <a:t> </a:t>
-                </a:r>
-                <a:r>
-                  <a:rPr lang="ru-RU" sz="2000" dirty="0">
-                    <a:latin typeface="+mj-lt"/>
-                  </a:rPr>
-                  <a:t>и </a:t>
-                </a:r>
-                <a:r>
-                  <a:rPr lang="en-US" sz="2000" dirty="0" err="1">
-                    <a:latin typeface="+mj-lt"/>
-                  </a:rPr>
-                  <a:t>Mdb</a:t>
-                </a:r>
-                <a:r>
-                  <a:rPr lang="en-US" sz="2000" dirty="0">
-                    <a:latin typeface="+mj-lt"/>
-                  </a:rPr>
-                  <a:t>.</a:t>
-                </a:r>
-              </a:p>
-              <a:p>
-                <a:r>
-                  <a:rPr lang="ru-RU" sz="2000" dirty="0">
-                    <a:latin typeface="+mj-lt"/>
-                  </a:rPr>
-                  <a:t>Смещение </a:t>
-                </a:r>
-                <a:r>
-                  <a:rPr lang="en-US" sz="2000" dirty="0">
-                    <a:latin typeface="+mj-lt"/>
-                  </a:rPr>
-                  <a:t>r </a:t>
-                </a:r>
-                <a:r>
-                  <a:rPr lang="ru-RU" sz="2000" dirty="0">
-                    <a:latin typeface="+mj-lt"/>
-                  </a:rPr>
-                  <a:t>приводит к дополнительным моментам, вызванными силами </a:t>
-                </a:r>
-                <a:r>
-                  <a:rPr lang="en-US" sz="2000" dirty="0">
-                    <a:latin typeface="+mj-lt"/>
-                  </a:rPr>
-                  <a:t>F</a:t>
-                </a:r>
-                <a:r>
-                  <a:rPr lang="en-US" sz="1600" dirty="0">
-                    <a:latin typeface="+mj-lt"/>
-                  </a:rPr>
-                  <a:t>a</a:t>
-                </a:r>
-                <a:r>
-                  <a:rPr lang="en-US" sz="2000" dirty="0">
-                    <a:latin typeface="+mj-lt"/>
-                  </a:rPr>
-                  <a:t> </a:t>
-                </a:r>
-                <a:r>
-                  <a:rPr lang="ru-RU" sz="2000" dirty="0">
-                    <a:latin typeface="+mj-lt"/>
-                  </a:rPr>
-                  <a:t>и </a:t>
-                </a:r>
-                <a:r>
-                  <a:rPr lang="en-US" sz="2000" dirty="0">
-                    <a:latin typeface="+mj-lt"/>
-                  </a:rPr>
-                  <a:t>F</a:t>
-                </a:r>
-                <a:r>
-                  <a:rPr lang="en-US" sz="1600" dirty="0">
-                    <a:latin typeface="+mj-lt"/>
-                  </a:rPr>
-                  <a:t>b</a:t>
-                </a:r>
-                <a:r>
-                  <a:rPr lang="en-US" sz="2000" dirty="0">
-                    <a:latin typeface="+mj-lt"/>
-                  </a:rPr>
-                  <a:t>.</a:t>
-                </a:r>
-              </a:p>
-              <a:p>
-                <a:r>
-                  <a:rPr lang="ru-RU" sz="2000" dirty="0">
-                    <a:latin typeface="+mj-lt"/>
-                  </a:rPr>
-                  <a:t>Компенсационные маховики расположены на осях моментов </a:t>
-                </a:r>
-                <a:r>
-                  <a:rPr lang="en-US" sz="2000" dirty="0" err="1">
-                    <a:latin typeface="+mj-lt"/>
-                  </a:rPr>
-                  <a:t>Mda</a:t>
-                </a:r>
-                <a:r>
-                  <a:rPr lang="en-US" sz="2000" dirty="0">
-                    <a:latin typeface="+mj-lt"/>
-                  </a:rPr>
-                  <a:t> </a:t>
-                </a:r>
-                <a:r>
-                  <a:rPr lang="ru-RU" sz="2000" dirty="0">
-                    <a:latin typeface="+mj-lt"/>
-                  </a:rPr>
-                  <a:t>и </a:t>
-                </a:r>
-                <a:r>
-                  <a:rPr lang="en-US" sz="2000" dirty="0" err="1">
-                    <a:latin typeface="+mj-lt"/>
-                  </a:rPr>
-                  <a:t>Mdb</a:t>
-                </a:r>
-                <a:r>
-                  <a:rPr lang="en-US" sz="2000" dirty="0">
-                    <a:latin typeface="+mj-lt"/>
-                  </a:rPr>
-                  <a:t> </a:t>
-                </a:r>
-                <a:r>
-                  <a:rPr lang="ru-RU" sz="2000" dirty="0">
-                    <a:latin typeface="+mj-lt"/>
-                  </a:rPr>
-                  <a:t>и вращаются в обратную сторону, прикладывая моменты </a:t>
-                </a:r>
-                <a:r>
-                  <a:rPr lang="en-US" sz="2000" dirty="0" err="1">
-                    <a:latin typeface="+mj-lt"/>
-                  </a:rPr>
-                  <a:t>Mma</a:t>
-                </a:r>
-                <a:r>
-                  <a:rPr lang="en-US" sz="2000" dirty="0">
-                    <a:latin typeface="+mj-lt"/>
-                  </a:rPr>
-                  <a:t> </a:t>
-                </a:r>
-                <a:r>
-                  <a:rPr lang="ru-RU" sz="2000" dirty="0">
-                    <a:latin typeface="+mj-lt"/>
-                  </a:rPr>
-                  <a:t>и </a:t>
-                </a:r>
-                <a:r>
-                  <a:rPr lang="en-US" sz="2000" dirty="0" err="1">
-                    <a:latin typeface="+mj-lt"/>
-                  </a:rPr>
-                  <a:t>Mba</a:t>
-                </a:r>
-                <a:r>
-                  <a:rPr lang="en-US" sz="2000" dirty="0">
-                    <a:latin typeface="+mj-lt"/>
-                  </a:rPr>
-                  <a:t> </a:t>
-                </a:r>
-                <a:r>
-                  <a:rPr lang="ru-RU" sz="2000" dirty="0">
-                    <a:latin typeface="+mj-lt"/>
-                  </a:rPr>
-                  <a:t>в обратную сторону.</a:t>
-                </a:r>
-              </a:p>
-              <a:p>
-                <a:r>
-                  <a:rPr lang="ru-RU" sz="2000" dirty="0">
-                    <a:latin typeface="+mj-lt"/>
-                  </a:rPr>
-                  <a:t>Момент на основание:</a:t>
-                </a:r>
-              </a:p>
-              <a:p>
-                <a14:m>
-                  <m:oMath xmlns:m="http://schemas.openxmlformats.org/officeDocument/2006/math">
-                    <m:sSub>
-                      <m:sSubPr>
-                        <m:ctrlPr>
-                          <a:rPr lang="en-US" sz="2000" i="1" smtClean="0">
-                            <a:latin typeface="Cambria Math" panose="02040503050406030204" pitchFamily="18" charset="0"/>
-                          </a:rPr>
-                        </m:ctrlPr>
-                      </m:sSubPr>
-                      <m:e>
-                        <m:r>
-                          <a:rPr lang="en-US" sz="2000" b="0" i="1" smtClean="0">
-                            <a:latin typeface="Cambria Math" panose="02040503050406030204" pitchFamily="18" charset="0"/>
-                          </a:rPr>
-                          <m:t>𝑀</m:t>
-                        </m:r>
-                      </m:e>
-                      <m:sub>
-                        <m:r>
-                          <a:rPr lang="en-US" sz="2000" b="0" i="1" smtClean="0">
-                            <a:latin typeface="Cambria Math" panose="02040503050406030204" pitchFamily="18" charset="0"/>
-                          </a:rPr>
-                          <m:t>𝑟𝑎</m:t>
-                        </m:r>
-                      </m:sub>
-                    </m:sSub>
-                    <m:r>
-                      <a:rPr lang="en-US" sz="2000" b="0" i="1" smtClean="0">
-                        <a:latin typeface="Cambria Math" panose="02040503050406030204" pitchFamily="18" charset="0"/>
-                      </a:rPr>
-                      <m:t>=</m:t>
-                    </m:r>
-                    <m:sSub>
-                      <m:sSubPr>
-                        <m:ctrlPr>
-                          <a:rPr lang="en-US" sz="2000" b="0" i="1" smtClean="0">
-                            <a:latin typeface="Cambria Math" panose="02040503050406030204" pitchFamily="18" charset="0"/>
-                          </a:rPr>
-                        </m:ctrlPr>
-                      </m:sSubPr>
-                      <m:e>
-                        <m:r>
-                          <a:rPr lang="en-US" sz="2000" b="0" i="1" smtClean="0">
-                            <a:latin typeface="Cambria Math" panose="02040503050406030204" pitchFamily="18" charset="0"/>
-                          </a:rPr>
-                          <m:t>𝐹</m:t>
-                        </m:r>
-                      </m:e>
-                      <m:sub>
-                        <m:r>
-                          <a:rPr lang="en-US" sz="2000" b="0" i="1" smtClean="0">
-                            <a:latin typeface="Cambria Math" panose="02040503050406030204" pitchFamily="18" charset="0"/>
-                          </a:rPr>
-                          <m:t>𝑎</m:t>
-                        </m:r>
-                      </m:sub>
-                    </m:sSub>
-                    <m:r>
-                      <a:rPr lang="en-US" sz="2000" i="1">
-                        <a:latin typeface="Cambria Math" panose="02040503050406030204" pitchFamily="18" charset="0"/>
-                        <a:ea typeface="Cambria Math" panose="02040503050406030204" pitchFamily="18" charset="0"/>
-                      </a:rPr>
-                      <m:t>∙</m:t>
-                    </m:r>
-                    <m:r>
-                      <a:rPr lang="en-US" sz="2000" b="0" i="1" smtClean="0">
-                        <a:latin typeface="Cambria Math" panose="02040503050406030204" pitchFamily="18" charset="0"/>
-                        <a:ea typeface="Cambria Math" panose="02040503050406030204" pitchFamily="18" charset="0"/>
-                      </a:rPr>
-                      <m:t>𝑟</m:t>
-                    </m:r>
-                    <m:r>
-                      <a:rPr lang="en-US" sz="2000" b="0" i="1" smtClean="0">
-                        <a:latin typeface="Cambria Math" panose="02040503050406030204" pitchFamily="18" charset="0"/>
-                        <a:ea typeface="Cambria Math" panose="02040503050406030204" pitchFamily="18" charset="0"/>
-                      </a:rPr>
-                      <m:t>+</m:t>
-                    </m:r>
-                    <m:sSub>
-                      <m:sSubPr>
-                        <m:ctrlPr>
-                          <a:rPr lang="en-US" sz="2000" i="1" smtClean="0">
-                            <a:latin typeface="Cambria Math" panose="02040503050406030204" pitchFamily="18" charset="0"/>
-                            <a:ea typeface="Cambria Math" panose="02040503050406030204" pitchFamily="18" charset="0"/>
-                          </a:rPr>
-                        </m:ctrlPr>
-                      </m:sSubPr>
-                      <m:e>
-                        <m:r>
-                          <a:rPr lang="en-US" sz="2000" b="0" i="1" smtClean="0">
-                            <a:latin typeface="Cambria Math" panose="02040503050406030204" pitchFamily="18" charset="0"/>
-                            <a:ea typeface="Cambria Math" panose="02040503050406030204" pitchFamily="18" charset="0"/>
-                          </a:rPr>
-                          <m:t>𝑀</m:t>
-                        </m:r>
-                      </m:e>
-                      <m:sub>
-                        <m:r>
-                          <a:rPr lang="en-US" sz="2000" b="0" i="1" smtClean="0">
-                            <a:latin typeface="Cambria Math" panose="02040503050406030204" pitchFamily="18" charset="0"/>
-                            <a:ea typeface="Cambria Math" panose="02040503050406030204" pitchFamily="18" charset="0"/>
-                          </a:rPr>
-                          <m:t>𝑑𝑎</m:t>
-                        </m:r>
-                      </m:sub>
-                    </m:sSub>
-                    <m:r>
-                      <a:rPr lang="en-US" sz="2000" b="0" i="1" smtClean="0">
-                        <a:latin typeface="Cambria Math" panose="02040503050406030204" pitchFamily="18" charset="0"/>
-                        <a:ea typeface="Cambria Math" panose="02040503050406030204" pitchFamily="18" charset="0"/>
-                      </a:rPr>
-                      <m:t>−</m:t>
-                    </m:r>
-                    <m:sSub>
-                      <m:sSubPr>
-                        <m:ctrlPr>
-                          <a:rPr lang="en-US" sz="2000" b="0" i="1" smtClean="0">
-                            <a:latin typeface="Cambria Math" panose="02040503050406030204" pitchFamily="18" charset="0"/>
-                            <a:ea typeface="Cambria Math" panose="02040503050406030204" pitchFamily="18" charset="0"/>
-                          </a:rPr>
-                        </m:ctrlPr>
-                      </m:sSubPr>
-                      <m:e>
-                        <m:r>
-                          <a:rPr lang="en-US" sz="2000" b="0" i="1" smtClean="0">
-                            <a:latin typeface="Cambria Math" panose="02040503050406030204" pitchFamily="18" charset="0"/>
-                            <a:ea typeface="Cambria Math" panose="02040503050406030204" pitchFamily="18" charset="0"/>
-                          </a:rPr>
-                          <m:t>𝑀</m:t>
-                        </m:r>
-                      </m:e>
-                      <m:sub>
-                        <m:r>
-                          <a:rPr lang="en-US" sz="2000" b="0" i="1" smtClean="0">
-                            <a:latin typeface="Cambria Math" panose="02040503050406030204" pitchFamily="18" charset="0"/>
-                            <a:ea typeface="Cambria Math" panose="02040503050406030204" pitchFamily="18" charset="0"/>
-                          </a:rPr>
-                          <m:t>𝑚𝑎</m:t>
-                        </m:r>
-                      </m:sub>
-                    </m:sSub>
-                  </m:oMath>
-                </a14:m>
-                <a:r>
-                  <a:rPr lang="ru-RU" sz="2000" dirty="0">
-                    <a:latin typeface="+mj-lt"/>
-                  </a:rPr>
-                  <a:t>			</a:t>
-                </a:r>
-                <a:endParaRPr lang="en-US" sz="2000" dirty="0">
-                  <a:latin typeface="Baskerville Old Face" panose="02020602080505020303" pitchFamily="18" charset="0"/>
-                </a:endParaRPr>
-              </a:p>
-              <a:p>
-                <a14:m>
-                  <m:oMath xmlns:m="http://schemas.openxmlformats.org/officeDocument/2006/math">
-                    <m:sSub>
-                      <m:sSubPr>
-                        <m:ctrlPr>
-                          <a:rPr lang="en-US" sz="2000" i="1">
-                            <a:latin typeface="Cambria Math" panose="02040503050406030204" pitchFamily="18" charset="0"/>
-                          </a:rPr>
-                        </m:ctrlPr>
-                      </m:sSubPr>
-                      <m:e>
-                        <m:r>
-                          <a:rPr lang="en-US" sz="2000" i="1">
-                            <a:latin typeface="Cambria Math" panose="02040503050406030204" pitchFamily="18" charset="0"/>
-                          </a:rPr>
-                          <m:t>𝑀</m:t>
-                        </m:r>
-                      </m:e>
-                      <m:sub>
-                        <m:r>
-                          <a:rPr lang="en-US" sz="2000" i="1">
-                            <a:latin typeface="Cambria Math" panose="02040503050406030204" pitchFamily="18" charset="0"/>
-                          </a:rPr>
-                          <m:t>𝑟</m:t>
-                        </m:r>
-                        <m:r>
-                          <a:rPr lang="en-US" sz="2000" b="0" i="1" smtClean="0">
-                            <a:latin typeface="Cambria Math" panose="02040503050406030204" pitchFamily="18" charset="0"/>
-                          </a:rPr>
-                          <m:t>𝑏</m:t>
-                        </m:r>
-                      </m:sub>
-                    </m:sSub>
-                    <m:r>
-                      <a:rPr lang="en-US" sz="2000" i="1">
-                        <a:latin typeface="Cambria Math" panose="02040503050406030204" pitchFamily="18" charset="0"/>
-                      </a:rPr>
-                      <m:t>=</m:t>
-                    </m:r>
-                    <m:sSub>
-                      <m:sSubPr>
-                        <m:ctrlPr>
-                          <a:rPr lang="en-US" sz="2000" i="1">
-                            <a:latin typeface="Cambria Math" panose="02040503050406030204" pitchFamily="18" charset="0"/>
-                          </a:rPr>
-                        </m:ctrlPr>
-                      </m:sSubPr>
-                      <m:e>
-                        <m:r>
-                          <a:rPr lang="en-US" sz="2000" i="1">
-                            <a:latin typeface="Cambria Math" panose="02040503050406030204" pitchFamily="18" charset="0"/>
-                          </a:rPr>
-                          <m:t>𝐹</m:t>
-                        </m:r>
-                      </m:e>
-                      <m:sub>
-                        <m:r>
-                          <a:rPr lang="en-US" sz="2000" b="0" i="1" smtClean="0">
-                            <a:latin typeface="Cambria Math" panose="02040503050406030204" pitchFamily="18" charset="0"/>
-                          </a:rPr>
-                          <m:t>𝑏</m:t>
-                        </m:r>
-                      </m:sub>
-                    </m:sSub>
-                    <m:r>
-                      <a:rPr lang="en-US" sz="2000" i="1">
-                        <a:latin typeface="Cambria Math" panose="02040503050406030204" pitchFamily="18" charset="0"/>
-                        <a:ea typeface="Cambria Math" panose="02040503050406030204" pitchFamily="18" charset="0"/>
-                      </a:rPr>
-                      <m:t>∙</m:t>
-                    </m:r>
-                    <m:r>
-                      <a:rPr lang="en-US" sz="2000" i="1">
-                        <a:latin typeface="Cambria Math" panose="02040503050406030204" pitchFamily="18" charset="0"/>
-                        <a:ea typeface="Cambria Math" panose="02040503050406030204" pitchFamily="18" charset="0"/>
-                      </a:rPr>
-                      <m:t>𝑟</m:t>
-                    </m:r>
-                    <m:r>
-                      <a:rPr lang="en-US" sz="2000" i="1">
-                        <a:latin typeface="Cambria Math" panose="02040503050406030204" pitchFamily="18" charset="0"/>
-                        <a:ea typeface="Cambria Math" panose="02040503050406030204" pitchFamily="18" charset="0"/>
-                      </a:rPr>
-                      <m:t>+</m:t>
-                    </m:r>
-                    <m:sSub>
-                      <m:sSubPr>
-                        <m:ctrlPr>
-                          <a:rPr lang="en-US" sz="2000" i="1">
-                            <a:latin typeface="Cambria Math" panose="02040503050406030204" pitchFamily="18" charset="0"/>
-                            <a:ea typeface="Cambria Math" panose="02040503050406030204" pitchFamily="18" charset="0"/>
-                          </a:rPr>
-                        </m:ctrlPr>
-                      </m:sSubPr>
-                      <m:e>
-                        <m:r>
-                          <a:rPr lang="en-US" sz="2000" i="1">
-                            <a:latin typeface="Cambria Math" panose="02040503050406030204" pitchFamily="18" charset="0"/>
-                            <a:ea typeface="Cambria Math" panose="02040503050406030204" pitchFamily="18" charset="0"/>
-                          </a:rPr>
-                          <m:t>𝑀</m:t>
-                        </m:r>
-                      </m:e>
-                      <m:sub>
-                        <m:r>
-                          <a:rPr lang="en-US" sz="2000" i="1">
-                            <a:latin typeface="Cambria Math" panose="02040503050406030204" pitchFamily="18" charset="0"/>
-                            <a:ea typeface="Cambria Math" panose="02040503050406030204" pitchFamily="18" charset="0"/>
-                          </a:rPr>
-                          <m:t>𝑑</m:t>
-                        </m:r>
-                        <m:r>
-                          <a:rPr lang="en-US" sz="2000" b="0" i="1" smtClean="0">
-                            <a:latin typeface="Cambria Math" panose="02040503050406030204" pitchFamily="18" charset="0"/>
-                            <a:ea typeface="Cambria Math" panose="02040503050406030204" pitchFamily="18" charset="0"/>
-                          </a:rPr>
-                          <m:t>𝑏</m:t>
-                        </m:r>
-                      </m:sub>
-                    </m:sSub>
-                    <m:r>
-                      <a:rPr lang="en-US" sz="2000" i="1">
-                        <a:latin typeface="Cambria Math" panose="02040503050406030204" pitchFamily="18" charset="0"/>
-                        <a:ea typeface="Cambria Math" panose="02040503050406030204" pitchFamily="18" charset="0"/>
-                      </a:rPr>
-                      <m:t>−</m:t>
-                    </m:r>
-                    <m:sSub>
-                      <m:sSubPr>
-                        <m:ctrlPr>
-                          <a:rPr lang="en-US" sz="2000" i="1">
-                            <a:latin typeface="Cambria Math" panose="02040503050406030204" pitchFamily="18" charset="0"/>
-                            <a:ea typeface="Cambria Math" panose="02040503050406030204" pitchFamily="18" charset="0"/>
-                          </a:rPr>
-                        </m:ctrlPr>
-                      </m:sSubPr>
-                      <m:e>
-                        <m:r>
-                          <a:rPr lang="en-US" sz="2000" i="1">
-                            <a:latin typeface="Cambria Math" panose="02040503050406030204" pitchFamily="18" charset="0"/>
-                            <a:ea typeface="Cambria Math" panose="02040503050406030204" pitchFamily="18" charset="0"/>
-                          </a:rPr>
-                          <m:t>𝑀</m:t>
-                        </m:r>
-                      </m:e>
-                      <m:sub>
-                        <m:r>
-                          <a:rPr lang="en-US" sz="2000" i="1">
-                            <a:latin typeface="Cambria Math" panose="02040503050406030204" pitchFamily="18" charset="0"/>
-                            <a:ea typeface="Cambria Math" panose="02040503050406030204" pitchFamily="18" charset="0"/>
-                          </a:rPr>
-                          <m:t>𝑚</m:t>
-                        </m:r>
-                        <m:r>
-                          <a:rPr lang="en-US" sz="2000" b="0" i="1" smtClean="0">
-                            <a:latin typeface="Cambria Math" panose="02040503050406030204" pitchFamily="18" charset="0"/>
-                            <a:ea typeface="Cambria Math" panose="02040503050406030204" pitchFamily="18" charset="0"/>
-                          </a:rPr>
-                          <m:t>𝑏</m:t>
-                        </m:r>
-                      </m:sub>
-                    </m:sSub>
-                  </m:oMath>
-                </a14:m>
-                <a:r>
-                  <a:rPr lang="en-US" sz="2000" dirty="0">
-                    <a:latin typeface="+mj-lt"/>
-                  </a:rPr>
-                  <a:t>		</a:t>
-                </a:r>
-                <a:r>
-                  <a:rPr lang="en-US" sz="2400" dirty="0">
-                    <a:latin typeface="+mj-lt"/>
-                  </a:rPr>
-                  <a:t>	</a:t>
-                </a:r>
-              </a:p>
-              <a:p>
-                <a:endParaRPr lang="en-US" dirty="0">
-                  <a:latin typeface="+mj-lt"/>
-                </a:endParaRPr>
-              </a:p>
-              <a:p>
-                <a:endParaRPr lang="en-US" dirty="0"/>
-              </a:p>
-              <a:p>
-                <a:endParaRPr lang="ru-RU" dirty="0"/>
-              </a:p>
-              <a:p>
-                <a:endParaRPr lang="en-US" dirty="0"/>
-              </a:p>
-            </p:txBody>
-          </p:sp>
-        </mc:Choice>
-        <mc:Fallback xmlns="">
-          <p:sp>
-            <p:nvSpPr>
-              <p:cNvPr id="7" name="Rectangle 6">
-                <a:extLst>
-                  <a:ext uri="{FF2B5EF4-FFF2-40B4-BE49-F238E27FC236}">
-                    <a16:creationId xmlns:a16="http://schemas.microsoft.com/office/drawing/2014/main" id="{9A166B48-4AC5-4D31-8A3E-98F15488CE56}"/>
-                  </a:ext>
-                </a:extLst>
-              </p:cNvPr>
-              <p:cNvSpPr>
-                <a:spLocks noRot="1" noChangeAspect="1" noMove="1" noResize="1" noEditPoints="1" noAdjustHandles="1" noChangeArrowheads="1" noChangeShapeType="1" noTextEdit="1"/>
-              </p:cNvSpPr>
-              <p:nvPr/>
-            </p:nvSpPr>
-            <p:spPr>
-              <a:xfrm>
-                <a:off x="4785124" y="1150719"/>
-                <a:ext cx="7485776" cy="5570756"/>
-              </a:xfrm>
-              <a:prstGeom prst="rect">
-                <a:avLst/>
-              </a:prstGeom>
-              <a:blipFill>
-                <a:blip r:embed="rId3"/>
-                <a:stretch>
-                  <a:fillRect l="-896" t="-656" r="-1547"/>
-                </a:stretch>
-              </a:blipFill>
-            </p:spPr>
-            <p:txBody>
-              <a:bodyPr/>
-              <a:lstStyle/>
-              <a:p>
-                <a:r>
-                  <a:rPr lang="en-US">
-                    <a:noFill/>
-                  </a:rPr>
-                  <a:t> </a:t>
-                </a:r>
-              </a:p>
-            </p:txBody>
-          </p:sp>
-        </mc:Fallback>
-      </mc:AlternateContent>
+      <p:sp>
+        <p:nvSpPr>
+          <p:cNvPr id="7" name="Rectangle 6">
+            <a:extLst>
+              <a:ext uri="{FF2B5EF4-FFF2-40B4-BE49-F238E27FC236}">
+                <a16:creationId xmlns:a16="http://schemas.microsoft.com/office/drawing/2014/main" id="{9A166B48-4AC5-4D31-8A3E-98F15488CE56}"/>
+              </a:ext>
+            </a:extLst>
+          </p:cNvPr>
+          <p:cNvSpPr/>
+          <p:nvPr/>
+        </p:nvSpPr>
+        <p:spPr>
+          <a:xfrm>
+            <a:off x="4785124" y="1150719"/>
+            <a:ext cx="7242753" cy="2092881"/>
+          </a:xfrm>
+          <a:prstGeom prst="rect">
+            <a:avLst/>
+          </a:prstGeom>
+        </p:spPr>
+        <p:txBody>
+          <a:bodyPr wrap="square">
+            <a:spAutoFit/>
+          </a:bodyPr>
+          <a:lstStyle/>
+          <a:p>
+            <a:pPr marL="342900" indent="-342900">
+              <a:buFont typeface="Arial" panose="020B0604020202020204" pitchFamily="34" charset="0"/>
+              <a:buChar char="•"/>
+            </a:pPr>
+            <a:r>
+              <a:rPr lang="ru-RU" sz="2000" dirty="0"/>
+              <a:t>ОМС представлена зеркальным блоком, установленным в кардане с двумя степенями свободы (оси OY и OZ).</a:t>
+            </a:r>
+          </a:p>
+          <a:p>
+            <a:pPr marL="285750" indent="-285750">
+              <a:buFont typeface="Arial" panose="020B0604020202020204" pitchFamily="34" charset="0"/>
+              <a:buChar char="•"/>
+            </a:pPr>
+            <a:r>
+              <a:rPr lang="ru-RU" dirty="0"/>
+              <a:t>Центр масс зеркального блока смещён относительно центра кардана на расстояние </a:t>
+            </a:r>
+            <a:r>
+              <a:rPr lang="ru-RU" i="1" dirty="0"/>
+              <a:t>r</a:t>
+            </a:r>
+            <a:r>
+              <a:rPr lang="ru-RU" dirty="0"/>
+              <a:t>.</a:t>
+            </a:r>
+          </a:p>
+          <a:p>
+            <a:pPr marL="285750" indent="-285750">
+              <a:buFont typeface="Arial" panose="020B0604020202020204" pitchFamily="34" charset="0"/>
+              <a:buChar char="•"/>
+            </a:pPr>
+            <a:r>
+              <a:rPr lang="ru-RU" dirty="0"/>
+              <a:t>Поворот осуществляется приводами с компенсацией реактивного момента </a:t>
+            </a:r>
+            <a:r>
+              <a:rPr lang="ru-RU"/>
+              <a:t>маховиками.</a:t>
+            </a:r>
+            <a:endParaRPr lang="ru-RU" dirty="0"/>
+          </a:p>
+          <a:p>
+            <a:endParaRPr lang="en-US" dirty="0"/>
+          </a:p>
+        </p:txBody>
+      </p:sp>
     </p:spTree>
     <p:extLst>
       <p:ext uri="{BB962C8B-B14F-4D97-AF65-F5344CB8AC3E}">
@@ -6406,16 +5677,10 @@
           <a:lstStyle/>
           <a:p>
             <a:r>
-              <a:rPr lang="ru-RU" sz="1600" dirty="0" smtClean="0">
-                <a:latin typeface="+mj-lt"/>
-              </a:rPr>
-              <a:t>Рисунок 1 - Устройство </a:t>
-            </a:r>
-            <a:r>
               <a:rPr lang="ru-RU" sz="1600" dirty="0">
                 <a:latin typeface="+mj-lt"/>
               </a:rPr>
-              <a:t>измерения момента</a:t>
+              <a:t>Рисунок 1 - Устройство измерения момента</a:t>
             </a:r>
           </a:p>
         </p:txBody>
@@ -6521,16 +5786,8 @@
           </a:lstStyle>
           <a:p>
             <a:r>
-              <a:rPr lang="ru-RU" sz="4000" dirty="0" smtClean="0"/>
-              <a:t>Моделирование </a:t>
-            </a:r>
-            <a:r>
-              <a:rPr lang="ru-RU" sz="4000" dirty="0" smtClean="0"/>
-              <a:t>работы </a:t>
-            </a:r>
-            <a:r>
-              <a:rPr lang="ru-RU" sz="4000" dirty="0" smtClean="0"/>
-              <a:t>стенда</a:t>
+              <a:rPr lang="ru-RU" sz="4000" dirty="0"/>
+              <a:t>Моделирование работы стенда</a:t>
             </a:r>
             <a:endParaRPr lang="en-US" dirty="0"/>
           </a:p>
@@ -6586,8 +5843,8 @@
           </a:graphicData>
         </a:graphic>
       </p:graphicFrame>
-      <mc:AlternateContent xmlns:mc="http://schemas.openxmlformats.org/markup-compatibility/2006">
-        <mc:Choice xmlns:a14="http://schemas.microsoft.com/office/drawing/2010/main" Requires="a14">
+      <mc:AlternateContent xmlns:mc="http://schemas.openxmlformats.org/markup-compatibility/2006" xmlns:a14="http://schemas.microsoft.com/office/drawing/2010/main">
+        <mc:Choice Requires="a14">
           <p:sp>
             <p:nvSpPr>
               <p:cNvPr id="4" name="Прямоугольник 3"/>
@@ -6610,7 +5867,7 @@
               <a:lstStyle/>
               <a:p>
                 <a:r>
-                  <a:rPr lang="ru-RU" dirty="0" smtClean="0">
+                  <a:rPr lang="ru-RU" dirty="0">
                     <a:latin typeface="+mj-lt"/>
                   </a:rPr>
                   <a:t>Узел подвеса стенда представляет собой колебательное звено первого порядка</a:t>
@@ -6622,6 +5879,7 @@
                 </a:endParaRPr>
               </a:p>
               <a:p>
+                <a:pPr/>
                 <a14:m>
                   <m:oMathPara xmlns:m="http://schemas.openxmlformats.org/officeDocument/2006/math">
                     <m:oMathParaPr>
@@ -6629,118 +5887,168 @@
                     </m:oMathParaPr>
                     <m:oMath xmlns:m="http://schemas.openxmlformats.org/officeDocument/2006/math">
                       <m:r>
-                        <a:rPr lang="ru-RU" i="1"/>
+                        <a:rPr lang="ru-RU" i="1">
+                          <a:latin typeface="Cambria Math" panose="02040503050406030204" pitchFamily="18" charset="0"/>
+                        </a:rPr>
                         <m:t>𝐽</m:t>
                       </m:r>
                       <m:r>
-                        <a:rPr lang="ru-RU" i="1"/>
+                        <a:rPr lang="ru-RU" i="1">
+                          <a:latin typeface="Cambria Math" panose="02040503050406030204" pitchFamily="18" charset="0"/>
+                        </a:rPr>
                         <m:t>∗</m:t>
                       </m:r>
                       <m:acc>
                         <m:accPr>
                           <m:chr m:val="̈"/>
                           <m:ctrlPr>
-                            <a:rPr lang="ru-RU" i="1"/>
+                            <a:rPr lang="ru-RU" i="1">
+                              <a:latin typeface="Cambria Math" panose="02040503050406030204" pitchFamily="18" charset="0"/>
+                            </a:rPr>
                           </m:ctrlPr>
                         </m:accPr>
                         <m:e>
                           <m:r>
-                            <a:rPr lang="ru-RU" i="1"/>
+                            <a:rPr lang="ru-RU" i="1">
+                              <a:latin typeface="Cambria Math" panose="02040503050406030204" pitchFamily="18" charset="0"/>
+                            </a:rPr>
                             <m:t>𝜑</m:t>
                           </m:r>
                           <m:r>
-                            <a:rPr lang="ru-RU" i="1"/>
+                            <a:rPr lang="ru-RU" i="1">
+                              <a:latin typeface="Cambria Math" panose="02040503050406030204" pitchFamily="18" charset="0"/>
+                            </a:rPr>
                             <m:t>(</m:t>
                           </m:r>
                           <m:r>
-                            <a:rPr lang="ru-RU" i="1"/>
+                            <a:rPr lang="ru-RU" i="1">
+                              <a:latin typeface="Cambria Math" panose="02040503050406030204" pitchFamily="18" charset="0"/>
+                            </a:rPr>
                             <m:t>𝑡</m:t>
                           </m:r>
                           <m:r>
-                            <a:rPr lang="ru-RU" i="1"/>
+                            <a:rPr lang="ru-RU" i="1">
+                              <a:latin typeface="Cambria Math" panose="02040503050406030204" pitchFamily="18" charset="0"/>
+                            </a:rPr>
                             <m:t>)</m:t>
                           </m:r>
                         </m:e>
                       </m:acc>
                       <m:r>
-                        <a:rPr lang="ru-RU" i="1"/>
+                        <a:rPr lang="ru-RU" i="1">
+                          <a:latin typeface="Cambria Math" panose="02040503050406030204" pitchFamily="18" charset="0"/>
+                        </a:rPr>
                         <m:t>+</m:t>
                       </m:r>
                       <m:r>
-                        <a:rPr lang="ru-RU" i="1"/>
+                        <a:rPr lang="ru-RU" i="1">
+                          <a:latin typeface="Cambria Math" panose="02040503050406030204" pitchFamily="18" charset="0"/>
+                        </a:rPr>
                         <m:t>𝑏</m:t>
                       </m:r>
                       <m:r>
-                        <a:rPr lang="ru-RU" i="1"/>
+                        <a:rPr lang="ru-RU" i="1">
+                          <a:latin typeface="Cambria Math" panose="02040503050406030204" pitchFamily="18" charset="0"/>
+                        </a:rPr>
                         <m:t>∗</m:t>
                       </m:r>
                       <m:acc>
                         <m:accPr>
                           <m:chr m:val="̇"/>
                           <m:ctrlPr>
-                            <a:rPr lang="ru-RU" i="1"/>
+                            <a:rPr lang="ru-RU" i="1">
+                              <a:latin typeface="Cambria Math" panose="02040503050406030204" pitchFamily="18" charset="0"/>
+                            </a:rPr>
                           </m:ctrlPr>
                         </m:accPr>
                         <m:e>
                           <m:r>
-                            <a:rPr lang="ru-RU" i="1"/>
+                            <a:rPr lang="ru-RU" i="1">
+                              <a:latin typeface="Cambria Math" panose="02040503050406030204" pitchFamily="18" charset="0"/>
+                            </a:rPr>
                             <m:t>𝜑</m:t>
                           </m:r>
                           <m:r>
-                            <a:rPr lang="ru-RU" i="1"/>
+                            <a:rPr lang="ru-RU" i="1">
+                              <a:latin typeface="Cambria Math" panose="02040503050406030204" pitchFamily="18" charset="0"/>
+                            </a:rPr>
                             <m:t>(</m:t>
                           </m:r>
                           <m:r>
-                            <a:rPr lang="ru-RU" i="1"/>
+                            <a:rPr lang="ru-RU" i="1">
+                              <a:latin typeface="Cambria Math" panose="02040503050406030204" pitchFamily="18" charset="0"/>
+                            </a:rPr>
                             <m:t>𝑡</m:t>
                           </m:r>
                           <m:r>
-                            <a:rPr lang="ru-RU" i="1"/>
+                            <a:rPr lang="ru-RU" i="1">
+                              <a:latin typeface="Cambria Math" panose="02040503050406030204" pitchFamily="18" charset="0"/>
+                            </a:rPr>
                             <m:t>)</m:t>
                           </m:r>
                         </m:e>
                       </m:acc>
                       <m:r>
-                        <a:rPr lang="ru-RU" i="1"/>
+                        <a:rPr lang="ru-RU" i="1">
+                          <a:latin typeface="Cambria Math" panose="02040503050406030204" pitchFamily="18" charset="0"/>
+                        </a:rPr>
                         <m:t>+</m:t>
                       </m:r>
                       <m:r>
-                        <a:rPr lang="ru-RU" i="1"/>
+                        <a:rPr lang="ru-RU" i="1">
+                          <a:latin typeface="Cambria Math" panose="02040503050406030204" pitchFamily="18" charset="0"/>
+                        </a:rPr>
                         <m:t>𝑐</m:t>
                       </m:r>
                       <m:r>
-                        <a:rPr lang="ru-RU" i="1"/>
+                        <a:rPr lang="ru-RU" i="1">
+                          <a:latin typeface="Cambria Math" panose="02040503050406030204" pitchFamily="18" charset="0"/>
+                        </a:rPr>
                         <m:t>∗</m:t>
                       </m:r>
                       <m:r>
-                        <a:rPr lang="ru-RU" i="1"/>
+                        <a:rPr lang="ru-RU" i="1">
+                          <a:latin typeface="Cambria Math" panose="02040503050406030204" pitchFamily="18" charset="0"/>
+                        </a:rPr>
                         <m:t>𝜑</m:t>
                       </m:r>
                       <m:r>
-                        <a:rPr lang="ru-RU" i="1"/>
+                        <a:rPr lang="ru-RU" i="1">
+                          <a:latin typeface="Cambria Math" panose="02040503050406030204" pitchFamily="18" charset="0"/>
+                        </a:rPr>
                         <m:t>(</m:t>
                       </m:r>
                       <m:r>
-                        <a:rPr lang="ru-RU" i="1"/>
+                        <a:rPr lang="ru-RU" i="1">
+                          <a:latin typeface="Cambria Math" panose="02040503050406030204" pitchFamily="18" charset="0"/>
+                        </a:rPr>
                         <m:t>𝑡</m:t>
                       </m:r>
                       <m:r>
-                        <a:rPr lang="ru-RU" i="1"/>
+                        <a:rPr lang="ru-RU" i="1">
+                          <a:latin typeface="Cambria Math" panose="02040503050406030204" pitchFamily="18" charset="0"/>
+                        </a:rPr>
                         <m:t>)=</m:t>
                       </m:r>
                       <m:r>
-                        <a:rPr lang="ru-RU" i="1"/>
+                        <a:rPr lang="ru-RU" i="1">
+                          <a:latin typeface="Cambria Math" panose="02040503050406030204" pitchFamily="18" charset="0"/>
+                        </a:rPr>
                         <m:t>𝑀</m:t>
                       </m:r>
                       <m:d>
                         <m:dPr>
                           <m:ctrlPr>
-                            <a:rPr lang="ru-RU" i="1"/>
+                            <a:rPr lang="ru-RU" i="1">
+                              <a:latin typeface="Cambria Math" panose="02040503050406030204" pitchFamily="18" charset="0"/>
+                            </a:rPr>
                           </m:ctrlPr>
                         </m:dPr>
                         <m:e>
                           <m:r>
-                            <a:rPr lang="ru-RU" i="1"/>
+                            <a:rPr lang="ru-RU" i="1">
+                              <a:latin typeface="Cambria Math" panose="02040503050406030204" pitchFamily="18" charset="0"/>
+                            </a:rPr>
                             <m:t>𝑡</m:t>
                           </m:r>
                         </m:e>
@@ -6748,18 +6056,18 @@
                     </m:oMath>
                   </m:oMathPara>
                 </a14:m>
-                <a:endParaRPr lang="ru-RU" dirty="0" smtClean="0">
+                <a:endParaRPr lang="ru-RU" dirty="0">
                   <a:latin typeface="+mj-lt"/>
                 </a:endParaRPr>
               </a:p>
               <a:p>
-                <a:endParaRPr lang="ru-RU" dirty="0" smtClean="0">
+                <a:endParaRPr lang="ru-RU" dirty="0">
                   <a:latin typeface="+mj-lt"/>
                 </a:endParaRPr>
               </a:p>
               <a:p>
                 <a:r>
-                  <a:rPr lang="ru-RU" dirty="0" smtClean="0">
+                  <a:rPr lang="ru-RU" dirty="0">
                     <a:latin typeface="+mj-lt"/>
                   </a:rPr>
                   <a:t>		</a:t>
@@ -6770,122 +6078,174 @@
                       <m:accPr>
                         <m:chr m:val="̈"/>
                         <m:ctrlPr>
-                          <a:rPr lang="ru-RU" i="1"/>
+                          <a:rPr lang="ru-RU" i="1">
+                            <a:latin typeface="Cambria Math" panose="02040503050406030204" pitchFamily="18" charset="0"/>
+                          </a:rPr>
                         </m:ctrlPr>
                       </m:accPr>
                       <m:e>
                         <m:r>
-                          <a:rPr lang="ru-RU" i="1"/>
+                          <a:rPr lang="ru-RU" i="1">
+                            <a:latin typeface="Cambria Math" panose="02040503050406030204" pitchFamily="18" charset="0"/>
+                          </a:rPr>
                           <m:t>𝜑</m:t>
                         </m:r>
                         <m:r>
-                          <a:rPr lang="ru-RU" i="1"/>
+                          <a:rPr lang="ru-RU" i="1">
+                            <a:latin typeface="Cambria Math" panose="02040503050406030204" pitchFamily="18" charset="0"/>
+                          </a:rPr>
                           <m:t>(</m:t>
                         </m:r>
                         <m:r>
-                          <a:rPr lang="ru-RU" i="1"/>
+                          <a:rPr lang="ru-RU" i="1">
+                            <a:latin typeface="Cambria Math" panose="02040503050406030204" pitchFamily="18" charset="0"/>
+                          </a:rPr>
                           <m:t>𝑡</m:t>
                         </m:r>
                         <m:r>
-                          <a:rPr lang="ru-RU" i="1"/>
+                          <a:rPr lang="ru-RU" i="1">
+                            <a:latin typeface="Cambria Math" panose="02040503050406030204" pitchFamily="18" charset="0"/>
+                          </a:rPr>
                           <m:t>)</m:t>
                         </m:r>
                       </m:e>
                     </m:acc>
                     <m:r>
-                      <a:rPr lang="ru-RU" i="1"/>
+                      <a:rPr lang="ru-RU" i="1">
+                        <a:latin typeface="Cambria Math" panose="02040503050406030204" pitchFamily="18" charset="0"/>
+                      </a:rPr>
                       <m:t>+2∗</m:t>
                     </m:r>
                     <m:r>
-                      <a:rPr lang="ru-RU" i="1"/>
+                      <a:rPr lang="ru-RU" i="1">
+                        <a:latin typeface="Cambria Math" panose="02040503050406030204" pitchFamily="18" charset="0"/>
+                      </a:rPr>
                       <m:t>𝜉</m:t>
                     </m:r>
                     <m:r>
-                      <a:rPr lang="ru-RU" i="1"/>
+                      <a:rPr lang="ru-RU" i="1">
+                        <a:latin typeface="Cambria Math" panose="02040503050406030204" pitchFamily="18" charset="0"/>
+                      </a:rPr>
                       <m:t>∗</m:t>
                     </m:r>
                     <m:acc>
                       <m:accPr>
                         <m:chr m:val="̇"/>
                         <m:ctrlPr>
-                          <a:rPr lang="ru-RU" i="1"/>
+                          <a:rPr lang="ru-RU" i="1">
+                            <a:latin typeface="Cambria Math" panose="02040503050406030204" pitchFamily="18" charset="0"/>
+                          </a:rPr>
                         </m:ctrlPr>
                       </m:accPr>
                       <m:e>
                         <m:r>
-                          <a:rPr lang="ru-RU" i="1"/>
+                          <a:rPr lang="ru-RU" i="1">
+                            <a:latin typeface="Cambria Math" panose="02040503050406030204" pitchFamily="18" charset="0"/>
+                          </a:rPr>
                           <m:t>𝜑</m:t>
                         </m:r>
                         <m:r>
-                          <a:rPr lang="ru-RU" i="1"/>
+                          <a:rPr lang="ru-RU" i="1">
+                            <a:latin typeface="Cambria Math" panose="02040503050406030204" pitchFamily="18" charset="0"/>
+                          </a:rPr>
                           <m:t>(</m:t>
                         </m:r>
                         <m:r>
-                          <a:rPr lang="ru-RU" i="1"/>
+                          <a:rPr lang="ru-RU" i="1">
+                            <a:latin typeface="Cambria Math" panose="02040503050406030204" pitchFamily="18" charset="0"/>
+                          </a:rPr>
                           <m:t>𝑡</m:t>
                         </m:r>
                         <m:r>
-                          <a:rPr lang="ru-RU" i="1"/>
+                          <a:rPr lang="ru-RU" i="1">
+                            <a:latin typeface="Cambria Math" panose="02040503050406030204" pitchFamily="18" charset="0"/>
+                          </a:rPr>
                           <m:t>)</m:t>
                         </m:r>
                       </m:e>
                     </m:acc>
                     <m:r>
-                      <a:rPr lang="ru-RU" i="1"/>
+                      <a:rPr lang="ru-RU" i="1">
+                        <a:latin typeface="Cambria Math" panose="02040503050406030204" pitchFamily="18" charset="0"/>
+                      </a:rPr>
                       <m:t>+</m:t>
                     </m:r>
                     <m:r>
-                      <a:rPr lang="ru-RU" i="1"/>
+                      <a:rPr lang="ru-RU" i="1">
+                        <a:latin typeface="Cambria Math" panose="02040503050406030204" pitchFamily="18" charset="0"/>
+                      </a:rPr>
                       <m:t>𝜔</m:t>
                     </m:r>
                     <m:r>
-                      <a:rPr lang="ru-RU" i="1"/>
+                      <a:rPr lang="ru-RU" i="1">
+                        <a:latin typeface="Cambria Math" panose="02040503050406030204" pitchFamily="18" charset="0"/>
+                      </a:rPr>
                       <m:t>0∗</m:t>
                     </m:r>
                     <m:r>
-                      <a:rPr lang="ru-RU" i="1"/>
+                      <a:rPr lang="ru-RU" i="1">
+                        <a:latin typeface="Cambria Math" panose="02040503050406030204" pitchFamily="18" charset="0"/>
+                      </a:rPr>
                       <m:t>𝜔</m:t>
                     </m:r>
                     <m:r>
-                      <a:rPr lang="ru-RU" i="1"/>
+                      <a:rPr lang="ru-RU" i="1">
+                        <a:latin typeface="Cambria Math" panose="02040503050406030204" pitchFamily="18" charset="0"/>
+                      </a:rPr>
                       <m:t>0∗</m:t>
                     </m:r>
                     <m:r>
-                      <a:rPr lang="ru-RU" i="1"/>
+                      <a:rPr lang="ru-RU" i="1">
+                        <a:latin typeface="Cambria Math" panose="02040503050406030204" pitchFamily="18" charset="0"/>
+                      </a:rPr>
                       <m:t>𝜑</m:t>
                     </m:r>
                     <m:r>
-                      <a:rPr lang="ru-RU" i="1"/>
+                      <a:rPr lang="ru-RU" i="1">
+                        <a:latin typeface="Cambria Math" panose="02040503050406030204" pitchFamily="18" charset="0"/>
+                      </a:rPr>
                       <m:t>(</m:t>
                     </m:r>
                     <m:r>
-                      <a:rPr lang="en-US" i="1"/>
+                      <a:rPr lang="en-US" i="1">
+                        <a:latin typeface="Cambria Math" panose="02040503050406030204" pitchFamily="18" charset="0"/>
+                      </a:rPr>
                       <m:t>𝑡</m:t>
                     </m:r>
                     <m:r>
-                      <a:rPr lang="ru-RU" i="1"/>
+                      <a:rPr lang="ru-RU" i="1">
+                        <a:latin typeface="Cambria Math" panose="02040503050406030204" pitchFamily="18" charset="0"/>
+                      </a:rPr>
                       <m:t>)=</m:t>
                     </m:r>
                     <m:f>
                       <m:fPr>
                         <m:ctrlPr>
-                          <a:rPr lang="ru-RU" i="1"/>
+                          <a:rPr lang="ru-RU" i="1">
+                            <a:latin typeface="Cambria Math" panose="02040503050406030204" pitchFamily="18" charset="0"/>
+                          </a:rPr>
                         </m:ctrlPr>
                       </m:fPr>
                       <m:num>
                         <m:r>
-                          <a:rPr lang="ru-RU" i="1"/>
+                          <a:rPr lang="ru-RU" i="1">
+                            <a:latin typeface="Cambria Math" panose="02040503050406030204" pitchFamily="18" charset="0"/>
+                          </a:rPr>
                           <m:t>𝑀</m:t>
                         </m:r>
                         <m:d>
                           <m:dPr>
                             <m:ctrlPr>
-                              <a:rPr lang="ru-RU" i="1"/>
+                              <a:rPr lang="ru-RU" i="1">
+                                <a:latin typeface="Cambria Math" panose="02040503050406030204" pitchFamily="18" charset="0"/>
+                              </a:rPr>
                             </m:ctrlPr>
                           </m:dPr>
                           <m:e>
                             <m:r>
-                              <a:rPr lang="ru-RU" i="1"/>
+                              <a:rPr lang="ru-RU" i="1">
+                                <a:latin typeface="Cambria Math" panose="02040503050406030204" pitchFamily="18" charset="0"/>
+                              </a:rPr>
                               <m:t>𝑡</m:t>
                             </m:r>
                           </m:e>
@@ -6893,14 +6253,16 @@
                       </m:num>
                       <m:den>
                         <m:r>
-                          <a:rPr lang="ru-RU" i="1"/>
+                          <a:rPr lang="ru-RU" i="1">
+                            <a:latin typeface="Cambria Math" panose="02040503050406030204" pitchFamily="18" charset="0"/>
+                          </a:rPr>
                           <m:t>𝐽</m:t>
                         </m:r>
                       </m:den>
                     </m:f>
                   </m:oMath>
                 </a14:m>
-                <a:endParaRPr lang="ru-RU" dirty="0" smtClean="0">
+                <a:endParaRPr lang="ru-RU" dirty="0">
                   <a:latin typeface="+mj-lt"/>
                 </a:endParaRPr>
               </a:p>
@@ -6910,24 +6272,32 @@
                     <m:sSub>
                       <m:sSubPr>
                         <m:ctrlPr>
-                          <a:rPr lang="ru-RU" i="1"/>
+                          <a:rPr lang="ru-RU" i="1">
+                            <a:latin typeface="Cambria Math" panose="02040503050406030204" pitchFamily="18" charset="0"/>
+                          </a:rPr>
                         </m:ctrlPr>
                       </m:sSubPr>
                       <m:e>
                         <m:r>
-                          <a:rPr lang="ru-RU" i="1"/>
+                          <a:rPr lang="ru-RU" i="1">
+                            <a:latin typeface="Cambria Math" panose="02040503050406030204" pitchFamily="18" charset="0"/>
+                          </a:rPr>
                           <m:t>𝜔</m:t>
                         </m:r>
                       </m:e>
                       <m:sub>
                         <m:r>
-                          <a:rPr lang="ru-RU" i="1"/>
+                          <a:rPr lang="ru-RU" i="1">
+                            <a:latin typeface="Cambria Math" panose="02040503050406030204" pitchFamily="18" charset="0"/>
+                          </a:rPr>
                           <m:t>0</m:t>
                         </m:r>
                       </m:sub>
                     </m:sSub>
                     <m:r>
-                      <a:rPr lang="ru-RU" i="1"/>
+                      <a:rPr lang="ru-RU" i="1">
+                        <a:latin typeface="Cambria Math" panose="02040503050406030204" pitchFamily="18" charset="0"/>
+                      </a:rPr>
                       <m:t> </m:t>
                     </m:r>
                   </m:oMath>
@@ -6942,7 +6312,9 @@
                       <m:radPr>
                         <m:degHide m:val="on"/>
                         <m:ctrlPr>
-                          <a:rPr lang="ru-RU" i="1"/>
+                          <a:rPr lang="ru-RU" i="1">
+                            <a:latin typeface="Cambria Math" panose="02040503050406030204" pitchFamily="18" charset="0"/>
+                          </a:rPr>
                         </m:ctrlPr>
                       </m:radPr>
                       <m:deg/>
@@ -6950,22 +6322,30 @@
                         <m:f>
                           <m:fPr>
                             <m:ctrlPr>
-                              <a:rPr lang="ru-RU" i="1"/>
+                              <a:rPr lang="ru-RU" i="1">
+                                <a:latin typeface="Cambria Math" panose="02040503050406030204" pitchFamily="18" charset="0"/>
+                              </a:rPr>
                             </m:ctrlPr>
                           </m:fPr>
                           <m:num>
                             <m:r>
-                              <a:rPr lang="ru-RU" i="1"/>
+                              <a:rPr lang="ru-RU" i="1">
+                                <a:latin typeface="Cambria Math" panose="02040503050406030204" pitchFamily="18" charset="0"/>
+                              </a:rPr>
                               <m:t>𝑐</m:t>
                             </m:r>
                             <m:r>
-                              <a:rPr lang="ru-RU" i="1"/>
+                              <a:rPr lang="ru-RU" i="1">
+                                <a:latin typeface="Cambria Math" panose="02040503050406030204" pitchFamily="18" charset="0"/>
+                              </a:rPr>
                               <m:t> </m:t>
                             </m:r>
                           </m:num>
                           <m:den>
                             <m:r>
-                              <a:rPr lang="ru-RU" i="1"/>
+                              <a:rPr lang="ru-RU" i="1">
+                                <a:latin typeface="Cambria Math" panose="02040503050406030204" pitchFamily="18" charset="0"/>
+                              </a:rPr>
                               <m:t>𝐽</m:t>
                             </m:r>
                           </m:den>
@@ -6974,101 +6354,38 @@
                     </m:rad>
                   </m:oMath>
                 </a14:m>
-                <a:endParaRPr lang="ru-RU" dirty="0" smtClean="0">
+                <a:endParaRPr lang="ru-RU" dirty="0">
                   <a:latin typeface="+mj-lt"/>
                 </a:endParaRPr>
               </a:p>
               <a:p>
                 <a:r>
-                  <a:rPr lang="ru-RU" dirty="0" smtClean="0">
+                  <a:rPr lang="ru-RU" dirty="0">
                     <a:latin typeface="+mj-lt"/>
                   </a:rPr>
-                  <a:t>Как </a:t>
+                  <a:t>Как видно из рисунка  колебательное звено не искажает входного сигнала</a:t>
                 </a:r>
+              </a:p>
+              <a:p>
                 <a:r>
                   <a:rPr lang="ru-RU" dirty="0">
                     <a:latin typeface="+mj-lt"/>
                   </a:rPr>
-                  <a:t>видно из рисунка </a:t>
+                  <a:t> ни по амплитуде, ни по фазе вплоть до области близкой  к собственной</a:t>
                 </a:r>
-                <a:r>
-                  <a:rPr lang="ru-RU" dirty="0" smtClean="0">
-                    <a:latin typeface="+mj-lt"/>
-                  </a:rPr>
-                  <a:t> </a:t>
-                </a:r>
+              </a:p>
+              <a:p>
                 <a:r>
                   <a:rPr lang="ru-RU" dirty="0">
                     <a:latin typeface="+mj-lt"/>
                   </a:rPr>
-                  <a:t>колебательное звено не искажает </a:t>
+                  <a:t> частоте колебаний.</a:t>
                 </a:r>
-                <a:r>
-                  <a:rPr lang="ru-RU" dirty="0" smtClean="0">
-                    <a:latin typeface="+mj-lt"/>
-                  </a:rPr>
-                  <a:t>входного сигнала</a:t>
-                </a:r>
-              </a:p>
-              <a:p>
-                <a:r>
-                  <a:rPr lang="ru-RU" dirty="0" smtClean="0">
-                    <a:latin typeface="+mj-lt"/>
-                  </a:rPr>
-                  <a:t> ни </a:t>
-                </a:r>
-                <a:r>
-                  <a:rPr lang="ru-RU" dirty="0">
-                    <a:latin typeface="+mj-lt"/>
-                  </a:rPr>
-                  <a:t>по амплитуде, ни по фазе вплоть до области </a:t>
-                </a:r>
-                <a:r>
-                  <a:rPr lang="ru-RU" dirty="0" smtClean="0">
-                    <a:latin typeface="+mj-lt"/>
-                  </a:rPr>
-                  <a:t>близкой  </a:t>
-                </a:r>
-                <a:r>
-                  <a:rPr lang="ru-RU" dirty="0">
-                    <a:latin typeface="+mj-lt"/>
-                  </a:rPr>
-                  <a:t>к </a:t>
-                </a:r>
-                <a:r>
-                  <a:rPr lang="ru-RU" dirty="0" smtClean="0">
-                    <a:latin typeface="+mj-lt"/>
-                  </a:rPr>
-                  <a:t>собственной</a:t>
-                </a:r>
-              </a:p>
-              <a:p>
-                <a:r>
-                  <a:rPr lang="ru-RU" dirty="0" smtClean="0">
-                    <a:latin typeface="+mj-lt"/>
-                  </a:rPr>
-                  <a:t> </a:t>
-                </a:r>
-                <a:r>
-                  <a:rPr lang="ru-RU" dirty="0">
-                    <a:latin typeface="+mj-lt"/>
-                  </a:rPr>
-                  <a:t>частоте </a:t>
-                </a:r>
-                <a:r>
-                  <a:rPr lang="ru-RU" dirty="0" smtClean="0">
-                    <a:latin typeface="+mj-lt"/>
-                  </a:rPr>
-                  <a:t>колебаний.</a:t>
-                </a:r>
-                <a:endParaRPr lang="ru-RU" dirty="0">
-                  <a:latin typeface="+mj-lt"/>
-                </a:endParaRPr>
               </a:p>
             </p:txBody>
           </p:sp>
         </mc:Choice>
-        <mc:Fallback>
+        <mc:Fallback xmlns="">
           <p:sp>
             <p:nvSpPr>
               <p:cNvPr id="4" name="Прямоугольник 3"/>
@@ -7129,19 +6446,19 @@
           <a:lstStyle/>
           <a:p>
             <a:r>
-              <a:rPr lang="ru-RU" dirty="0" smtClean="0">
+              <a:rPr lang="ru-RU" dirty="0">
                 <a:latin typeface="+mj-lt"/>
               </a:rPr>
               <a:t>Момент, воздействующий на стенд при </a:t>
             </a:r>
             <a:r>
-              <a:rPr lang="ru-RU" dirty="0" err="1" smtClean="0">
+              <a:rPr lang="ru-RU" dirty="0" err="1">
                 <a:latin typeface="+mj-lt"/>
               </a:rPr>
               <a:t>перенациеливании</a:t>
             </a:r>
             <a:r>
-              <a:rPr lang="ru-RU" dirty="0" smtClean="0">
+              <a:rPr lang="ru-RU" dirty="0">
                 <a:latin typeface="+mj-lt"/>
               </a:rPr>
               <a:t>,</a:t>
@@ -7152,28 +6469,19 @@
               <a:rPr lang="ru-RU" dirty="0">
                 <a:latin typeface="+mj-lt"/>
               </a:rPr>
-              <a:t>п</a:t>
-            </a:r>
-            <a:r>
-              <a:rPr lang="ru-RU" dirty="0" smtClean="0">
-                <a:latin typeface="+mj-lt"/>
-              </a:rPr>
-              <a:t>редставляет собой форму меандра с периодом равным времени перенацеливания – 4 с. </a:t>
-            </a:r>
-            <a:endParaRPr lang="en-US" dirty="0" smtClean="0">
+              <a:t>представляет собой форму меандра с периодом равным времени перенацеливания – 4 с. </a:t>
+            </a:r>
+            <a:endParaRPr lang="en-US" dirty="0">
               <a:latin typeface="+mj-lt"/>
             </a:endParaRPr>
           </a:p>
           <a:p>
             <a:r>
-              <a:rPr lang="ru-RU" dirty="0" smtClean="0">
+              <a:rPr lang="ru-RU" dirty="0">
                 <a:latin typeface="+mj-lt"/>
               </a:rPr>
               <a:t>Для измерения остаточного момента с периодом 4 с без существенного искажения следует настраивать узел подвеса на период собственных колебаний не менее 10…12 с.</a:t>
             </a:r>
-            <a:endParaRPr lang="ru-RU" dirty="0">
-              <a:latin typeface="+mj-lt"/>
-            </a:endParaRPr>
           </a:p>
         </p:txBody>
       </p:sp>
@@ -7202,17 +6510,8 @@
               <a:rPr lang="ru-RU" sz="1600" dirty="0">
                 <a:latin typeface="+mj-lt"/>
               </a:rPr>
-              <a:t>Рисунок </a:t>
-            </a:r>
-            <a:r>
-              <a:rPr lang="ru-RU" sz="1600" dirty="0" smtClean="0">
-                <a:latin typeface="+mj-lt"/>
-              </a:rPr>
-              <a:t>2 – АЧХ и ФЧХ колебательного звена</a:t>
-            </a:r>
-            <a:endParaRPr lang="ru-RU" sz="1600" dirty="0">
-              <a:latin typeface="+mj-lt"/>
-            </a:endParaRPr>
+              <a:t>Рисунок 2 – АЧХ и ФЧХ колебательного звена</a:t>
+            </a:r>
           </a:p>
         </p:txBody>
       </p:sp>
@@ -7241,23 +6540,8 @@
               <a:rPr lang="ru-RU" sz="1600" dirty="0">
                 <a:latin typeface="+mj-lt"/>
               </a:rPr>
-              <a:t>Рисунок </a:t>
-            </a:r>
-            <a:r>
-              <a:rPr lang="ru-RU" sz="1600" dirty="0">
-                <a:latin typeface="+mj-lt"/>
-              </a:rPr>
-              <a:t>3</a:t>
-            </a:r>
-            <a:r>
-              <a:rPr lang="ru-RU" sz="1600" dirty="0" smtClean="0">
-                <a:latin typeface="+mj-lt"/>
-              </a:rPr>
-              <a:t> – Возмущающий момент</a:t>
-            </a:r>
-            <a:endParaRPr lang="ru-RU" sz="1600" dirty="0">
-              <a:latin typeface="+mj-lt"/>
-            </a:endParaRPr>
+              <a:t>Рисунок 3 – Возмущающий момент</a:t>
+            </a:r>
           </a:p>
         </p:txBody>
       </p:sp>
@@ -7476,29 +6760,8 @@
               <a:rPr lang="ru-RU" sz="1600" dirty="0">
                 <a:latin typeface="+mj-lt"/>
               </a:rPr>
-              <a:t>Рисунок </a:t>
-            </a:r>
-            <a:r>
-              <a:rPr lang="ru-RU" sz="1600" dirty="0" smtClean="0">
-                <a:latin typeface="+mj-lt"/>
-              </a:rPr>
-              <a:t>4 </a:t>
-            </a:r>
-            <a:r>
-              <a:rPr lang="ru-RU" sz="1600" dirty="0">
-                <a:latin typeface="+mj-lt"/>
-              </a:rPr>
-              <a:t>– </a:t>
-            </a:r>
-            <a:r>
-              <a:rPr lang="ru-RU" sz="1600" dirty="0" smtClean="0">
-                <a:latin typeface="+mj-lt"/>
-              </a:rPr>
-              <a:t>Программа оценки измеренного момента</a:t>
-            </a:r>
-            <a:endParaRPr lang="ru-RU" sz="1600" dirty="0">
-              <a:latin typeface="+mj-lt"/>
-            </a:endParaRPr>
+              <a:t>Рисунок 4 – Программа оценки измеренного момента</a:t>
+            </a:r>
           </a:p>
         </p:txBody>
       </p:sp>
@@ -7527,35 +6790,8 @@
               <a:rPr lang="ru-RU" sz="1600" dirty="0">
                 <a:latin typeface="+mj-lt"/>
               </a:rPr>
-              <a:t>Рисунок </a:t>
-            </a:r>
-            <a:r>
-              <a:rPr lang="ru-RU" sz="1600" dirty="0">
-                <a:latin typeface="+mj-lt"/>
-              </a:rPr>
-              <a:t>5</a:t>
-            </a:r>
-            <a:r>
-              <a:rPr lang="ru-RU" sz="1600" dirty="0" smtClean="0">
-                <a:latin typeface="+mj-lt"/>
-              </a:rPr>
-              <a:t> </a:t>
-            </a:r>
-            <a:r>
-              <a:rPr lang="ru-RU" sz="1600" dirty="0">
-                <a:latin typeface="+mj-lt"/>
-              </a:rPr>
-              <a:t>– </a:t>
-            </a:r>
-            <a:r>
-              <a:rPr lang="ru-RU" sz="1600" dirty="0" smtClean="0">
-                <a:latin typeface="+mj-lt"/>
-              </a:rPr>
-              <a:t>Обработанные измерения остаточного момента</a:t>
-            </a:r>
-            <a:endParaRPr lang="ru-RU" sz="1600" dirty="0">
-              <a:latin typeface="+mj-lt"/>
-            </a:endParaRPr>
+              <a:t>Рисунок 5 – Обработанные измерения остаточного момента</a:t>
+            </a:r>
           </a:p>
         </p:txBody>
       </p:sp>
@@ -7644,7 +6880,7 @@
               <a:buAutoNum type="arabicPeriod"/>
             </a:pPr>
             <a:r>
-              <a:rPr lang="ru-RU" dirty="0" smtClean="0">
+              <a:rPr lang="ru-RU" dirty="0">
                 <a:latin typeface="Times New Roman" panose="02020603050405020304" pitchFamily="18" charset="0"/>
                 <a:ea typeface="Times New Roman" panose="02020603050405020304" pitchFamily="18" charset="0"/>
               </a:rPr>
@@ -7663,18 +6899,11 @@
               <a:buAutoNum type="arabicPeriod"/>
             </a:pPr>
             <a:r>
-              <a:rPr lang="ru-RU" dirty="0" smtClean="0">
-                <a:latin typeface="Times New Roman" panose="02020603050405020304" pitchFamily="18" charset="0"/>
-                <a:ea typeface="Times New Roman" panose="02020603050405020304" pitchFamily="18" charset="0"/>
-              </a:rPr>
-              <a:t>Период </a:t>
-            </a:r>
-            <a:r>
               <a:rPr lang="ru-RU" dirty="0">
                 <a:latin typeface="Times New Roman" panose="02020603050405020304" pitchFamily="18" charset="0"/>
                 <a:ea typeface="Times New Roman" panose="02020603050405020304" pitchFamily="18" charset="0"/>
               </a:rPr>
-              <a:t>собственных колебаний узла подвеса измерительного стенда должен быть в 2,5…3 раза больше периода перенацеливания аппаратуры.</a:t>
+              <a:t>Период собственных колебаний узла подвеса измерительного стенда должен быть в 2,5…3 раза больше периода перенацеливания аппаратуры.</a:t>
             </a:r>
             <a:endParaRPr lang="ru-RU" dirty="0">
               <a:latin typeface="Times New Roman" panose="02020603050405020304" pitchFamily="18" charset="0"/>
@@ -7781,14 +7010,11 @@
           <a:lstStyle/>
           <a:p>
             <a:r>
-              <a:rPr lang="ru-RU" sz="3600" dirty="0" smtClean="0">
+              <a:rPr lang="ru-RU" sz="3600" dirty="0">
                 <a:latin typeface="+mj-lt"/>
               </a:rPr>
               <a:t>Заключение</a:t>
             </a:r>
-            <a:endParaRPr lang="ru-RU" sz="3600" dirty="0">
-              <a:latin typeface="+mj-lt"/>
-            </a:endParaRPr>
           </a:p>
         </p:txBody>
       </p:sp>
